--- a/Briefing ECU.pptx
+++ b/Briefing ECU.pptx
@@ -8,6 +8,7 @@
     <p:sldId id="256" r:id="rId2"/>
     <p:sldId id="257" r:id="rId3"/>
     <p:sldId id="258" r:id="rId4"/>
+    <p:sldId id="259" r:id="rId5"/>
   </p:sldIdLst>
   <p:sldSz cx="12192000" cy="6858000"/>
   <p:notesSz cx="6858000" cy="9144000"/>
@@ -106,6 +107,11 @@
       </a:defRPr>
     </a:lvl9pPr>
   </p:defaultTextStyle>
+  <p:extLst>
+    <p:ext uri="{EFAFB233-063F-42B5-8137-9DF3F51BA10A}">
+      <p15:sldGuideLst xmlns:p15="http://schemas.microsoft.com/office/powerpoint/2012/main"/>
+    </p:ext>
+  </p:extLst>
 </p:presentation>
 </file>
 
@@ -6060,6 +6066,115 @@
 </p:sld>
 </file>
 
+<file path=ppt/slides/slide4.xml><?xml version="1.0" encoding="utf-8"?>
+<p:sld xmlns:a="http://schemas.openxmlformats.org/drawingml/2006/main" xmlns:r="http://schemas.openxmlformats.org/officeDocument/2006/relationships" xmlns:p="http://schemas.openxmlformats.org/presentationml/2006/main">
+  <p:cSld>
+    <p:spTree>
+      <p:nvGrpSpPr>
+        <p:cNvPr id="1" name=""/>
+        <p:cNvGrpSpPr/>
+        <p:nvPr/>
+      </p:nvGrpSpPr>
+      <p:grpSpPr>
+        <a:xfrm>
+          <a:off x="0" y="0"/>
+          <a:ext cx="0" cy="0"/>
+          <a:chOff x="0" y="0"/>
+          <a:chExt cx="0" cy="0"/>
+        </a:xfrm>
+      </p:grpSpPr>
+      <p:sp>
+        <p:nvSpPr>
+          <p:cNvPr id="2" name="Title 1">
+            <a:extLst>
+              <a:ext uri="{FF2B5EF4-FFF2-40B4-BE49-F238E27FC236}">
+                <a16:creationId xmlns:a16="http://schemas.microsoft.com/office/drawing/2014/main" id="{09806137-A97F-4FE4-ACAD-6E345E5CA9BB}"/>
+              </a:ext>
+            </a:extLst>
+          </p:cNvPr>
+          <p:cNvSpPr>
+            <a:spLocks noGrp="1"/>
+          </p:cNvSpPr>
+          <p:nvPr>
+            <p:ph type="title"/>
+          </p:nvPr>
+        </p:nvSpPr>
+        <p:spPr/>
+        <p:txBody>
+          <a:bodyPr/>
+          <a:lstStyle/>
+          <a:p>
+            <a:r>
+              <a:rPr lang="en-US" dirty="0"/>
+              <a:t>Types of protocols </a:t>
+            </a:r>
+          </a:p>
+        </p:txBody>
+      </p:sp>
+      <p:sp>
+        <p:nvSpPr>
+          <p:cNvPr id="3" name="Content Placeholder 2">
+            <a:extLst>
+              <a:ext uri="{FF2B5EF4-FFF2-40B4-BE49-F238E27FC236}">
+                <a16:creationId xmlns:a16="http://schemas.microsoft.com/office/drawing/2014/main" id="{64E67152-AB46-4C2B-ADD9-08FE8AC3F7CF}"/>
+              </a:ext>
+            </a:extLst>
+          </p:cNvPr>
+          <p:cNvSpPr>
+            <a:spLocks noGrp="1"/>
+          </p:cNvSpPr>
+          <p:nvPr>
+            <p:ph idx="1"/>
+          </p:nvPr>
+        </p:nvSpPr>
+        <p:spPr/>
+        <p:txBody>
+          <a:bodyPr/>
+          <a:lstStyle/>
+          <a:p>
+            <a:r>
+              <a:rPr lang="en-US" dirty="0"/>
+              <a:t>–	Diagnostics (OBD II)</a:t>
+            </a:r>
+          </a:p>
+          <a:p>
+            <a:r>
+              <a:rPr lang="en-US" dirty="0"/>
+              <a:t>–	Body and powertrain (CAN,LIN)</a:t>
+            </a:r>
+          </a:p>
+          <a:p>
+            <a:r>
+              <a:rPr lang="en-US" dirty="0"/>
+              <a:t>–	Multimedia and drive by wire (MOST, </a:t>
+            </a:r>
+            <a:r>
+              <a:rPr lang="en-US"/>
+              <a:t>Flexray</a:t>
+            </a:r>
+            <a:r>
+              <a:rPr lang="en-US" dirty="0"/>
+              <a:t>)</a:t>
+            </a:r>
+          </a:p>
+          <a:p>
+            <a:endParaRPr lang="en-US" dirty="0"/>
+          </a:p>
+        </p:txBody>
+      </p:sp>
+    </p:spTree>
+    <p:extLst>
+      <p:ext uri="{BB962C8B-B14F-4D97-AF65-F5344CB8AC3E}">
+        <p14:creationId xmlns:p14="http://schemas.microsoft.com/office/powerpoint/2010/main" val="47456954"/>
+      </p:ext>
+    </p:extLst>
+  </p:cSld>
+  <p:clrMapOvr>
+    <a:masterClrMapping/>
+  </p:clrMapOvr>
+</p:sld>
+</file>
+
 <file path=ppt/theme/theme1.xml><?xml version="1.0" encoding="utf-8"?>
 <a:theme xmlns:a="http://schemas.openxmlformats.org/drawingml/2006/main" name="Vapor Trail">
   <a:themeElements>

--- a/Briefing ECU.pptx
+++ b/Briefing ECU.pptx
@@ -8,7 +8,6 @@
     <p:sldId id="256" r:id="rId2"/>
     <p:sldId id="257" r:id="rId3"/>
     <p:sldId id="258" r:id="rId4"/>
-    <p:sldId id="259" r:id="rId5"/>
   </p:sldIdLst>
   <p:sldSz cx="12192000" cy="6858000"/>
   <p:notesSz cx="6858000" cy="9144000"/>
@@ -285,7 +284,7 @@
           <a:p>
             <a:fld id="{1F1E9D4D-B122-4B62-8D89-CF1C418507F7}" type="datetimeFigureOut">
               <a:rPr lang="en-US" smtClean="0"/>
-              <a:t>7/2/2021</a:t>
+              <a:t>7/4/2021</a:t>
             </a:fld>
             <a:endParaRPr lang="en-US"/>
           </a:p>
@@ -552,7 +551,7 @@
           <a:p>
             <a:fld id="{1F1E9D4D-B122-4B62-8D89-CF1C418507F7}" type="datetimeFigureOut">
               <a:rPr lang="en-US" smtClean="0"/>
-              <a:t>7/2/2021</a:t>
+              <a:t>7/4/2021</a:t>
             </a:fld>
             <a:endParaRPr lang="en-US"/>
           </a:p>
@@ -783,7 +782,7 @@
           <a:p>
             <a:fld id="{1F1E9D4D-B122-4B62-8D89-CF1C418507F7}" type="datetimeFigureOut">
               <a:rPr lang="en-US" smtClean="0"/>
-              <a:t>7/2/2021</a:t>
+              <a:t>7/4/2021</a:t>
             </a:fld>
             <a:endParaRPr lang="en-US"/>
           </a:p>
@@ -1093,7 +1092,7 @@
           <a:p>
             <a:fld id="{1F1E9D4D-B122-4B62-8D89-CF1C418507F7}" type="datetimeFigureOut">
               <a:rPr lang="en-US" smtClean="0"/>
-              <a:t>7/2/2021</a:t>
+              <a:t>7/4/2021</a:t>
             </a:fld>
             <a:endParaRPr lang="en-US"/>
           </a:p>
@@ -1566,7 +1565,7 @@
           <a:p>
             <a:fld id="{1F1E9D4D-B122-4B62-8D89-CF1C418507F7}" type="datetimeFigureOut">
               <a:rPr lang="en-US" smtClean="0"/>
-              <a:t>7/2/2021</a:t>
+              <a:t>7/4/2021</a:t>
             </a:fld>
             <a:endParaRPr lang="en-US"/>
           </a:p>
@@ -2113,7 +2112,7 @@
           <a:p>
             <a:fld id="{1F1E9D4D-B122-4B62-8D89-CF1C418507F7}" type="datetimeFigureOut">
               <a:rPr lang="en-US" smtClean="0"/>
-              <a:t>7/2/2021</a:t>
+              <a:t>7/4/2021</a:t>
             </a:fld>
             <a:endParaRPr lang="en-US"/>
           </a:p>
@@ -2887,7 +2886,7 @@
           <a:p>
             <a:fld id="{1F1E9D4D-B122-4B62-8D89-CF1C418507F7}" type="datetimeFigureOut">
               <a:rPr lang="en-US" smtClean="0"/>
-              <a:t>7/2/2021</a:t>
+              <a:t>7/4/2021</a:t>
             </a:fld>
             <a:endParaRPr lang="en-US"/>
           </a:p>
@@ -3062,7 +3061,7 @@
           <a:p>
             <a:fld id="{1F1E9D4D-B122-4B62-8D89-CF1C418507F7}" type="datetimeFigureOut">
               <a:rPr lang="en-US" smtClean="0"/>
-              <a:t>7/2/2021</a:t>
+              <a:t>7/4/2021</a:t>
             </a:fld>
             <a:endParaRPr lang="en-US"/>
           </a:p>
@@ -3285,7 +3284,7 @@
           <a:p>
             <a:fld id="{1F1E9D4D-B122-4B62-8D89-CF1C418507F7}" type="datetimeFigureOut">
               <a:rPr lang="en-US" smtClean="0"/>
-              <a:t>7/2/2021</a:t>
+              <a:t>7/4/2021</a:t>
             </a:fld>
             <a:endParaRPr lang="en-US"/>
           </a:p>
@@ -3465,7 +3464,7 @@
           <a:p>
             <a:fld id="{1F1E9D4D-B122-4B62-8D89-CF1C418507F7}" type="datetimeFigureOut">
               <a:rPr lang="en-US" smtClean="0"/>
-              <a:t>7/2/2021</a:t>
+              <a:t>7/4/2021</a:t>
             </a:fld>
             <a:endParaRPr lang="en-US"/>
           </a:p>
@@ -3754,7 +3753,7 @@
           <a:p>
             <a:fld id="{1F1E9D4D-B122-4B62-8D89-CF1C418507F7}" type="datetimeFigureOut">
               <a:rPr lang="en-US" smtClean="0"/>
-              <a:t>7/2/2021</a:t>
+              <a:t>7/4/2021</a:t>
             </a:fld>
             <a:endParaRPr lang="en-US"/>
           </a:p>
@@ -3996,7 +3995,7 @@
           <a:p>
             <a:fld id="{1F1E9D4D-B122-4B62-8D89-CF1C418507F7}" type="datetimeFigureOut">
               <a:rPr lang="en-US" smtClean="0"/>
-              <a:t>7/2/2021</a:t>
+              <a:t>7/4/2021</a:t>
             </a:fld>
             <a:endParaRPr lang="en-US"/>
           </a:p>
@@ -4375,7 +4374,7 @@
           <a:p>
             <a:fld id="{1F1E9D4D-B122-4B62-8D89-CF1C418507F7}" type="datetimeFigureOut">
               <a:rPr lang="en-US" smtClean="0"/>
-              <a:t>7/2/2021</a:t>
+              <a:t>7/4/2021</a:t>
             </a:fld>
             <a:endParaRPr lang="en-US"/>
           </a:p>
@@ -4493,7 +4492,7 @@
           <a:p>
             <a:fld id="{1F1E9D4D-B122-4B62-8D89-CF1C418507F7}" type="datetimeFigureOut">
               <a:rPr lang="en-US" smtClean="0"/>
-              <a:t>7/2/2021</a:t>
+              <a:t>7/4/2021</a:t>
             </a:fld>
             <a:endParaRPr lang="en-US"/>
           </a:p>
@@ -4588,7 +4587,7 @@
           <a:p>
             <a:fld id="{1F1E9D4D-B122-4B62-8D89-CF1C418507F7}" type="datetimeFigureOut">
               <a:rPr lang="en-US" smtClean="0"/>
-              <a:t>7/2/2021</a:t>
+              <a:t>7/4/2021</a:t>
             </a:fld>
             <a:endParaRPr lang="en-US"/>
           </a:p>
@@ -4837,7 +4836,7 @@
           <a:p>
             <a:fld id="{1F1E9D4D-B122-4B62-8D89-CF1C418507F7}" type="datetimeFigureOut">
               <a:rPr lang="en-US" smtClean="0"/>
-              <a:t>7/2/2021</a:t>
+              <a:t>7/4/2021</a:t>
             </a:fld>
             <a:endParaRPr lang="en-US"/>
           </a:p>
@@ -5094,7 +5093,7 @@
           <a:p>
             <a:fld id="{1F1E9D4D-B122-4B62-8D89-CF1C418507F7}" type="datetimeFigureOut">
               <a:rPr lang="en-US" smtClean="0"/>
-              <a:t>7/2/2021</a:t>
+              <a:t>7/4/2021</a:t>
             </a:fld>
             <a:endParaRPr lang="en-US"/>
           </a:p>
@@ -5337,7 +5336,7 @@
           <a:p>
             <a:fld id="{1F1E9D4D-B122-4B62-8D89-CF1C418507F7}" type="datetimeFigureOut">
               <a:rPr lang="en-US" smtClean="0"/>
-              <a:t>7/2/2021</a:t>
+              <a:t>7/4/2021</a:t>
             </a:fld>
             <a:endParaRPr lang="en-US"/>
           </a:p>
@@ -5818,20 +5817,23 @@
           <a:p>
             <a:r>
               <a:rPr lang="en-US" dirty="0"/>
-              <a:t>What are the uses of ECUs?!</a:t>
+              <a:t>How to Diagnose errors of ECU?!</a:t>
             </a:r>
           </a:p>
           <a:p>
             <a:r>
               <a:rPr lang="en-US" dirty="0"/>
-              <a:t>How does it work?!</a:t>
+              <a:t>What are the modules of ECU?!</a:t>
             </a:r>
           </a:p>
           <a:p>
             <a:r>
               <a:rPr lang="en-US" dirty="0"/>
-              <a:t>What are the types of ECU?!</a:t>
-            </a:r>
+              <a:t>How does ECU modules communicate?!</a:t>
+            </a:r>
+          </a:p>
+          <a:p>
+            <a:endParaRPr lang="en-US" dirty="0"/>
           </a:p>
         </p:txBody>
       </p:sp>
@@ -5923,20 +5925,23 @@
           <a:p>
             <a:r>
               <a:rPr lang="en-US" dirty="0"/>
-              <a:t>Reasons behind the existence of the ECU.</a:t>
+              <a:t>The meaning of ECU.</a:t>
             </a:r>
           </a:p>
           <a:p>
             <a:r>
               <a:rPr lang="en-US" dirty="0"/>
-              <a:t>The meaning of ECU.</a:t>
+              <a:t>The Basic concept of how ECU works.</a:t>
             </a:r>
           </a:p>
           <a:p>
             <a:r>
               <a:rPr lang="en-US" dirty="0"/>
-              <a:t>Basic concept of how ECU works.</a:t>
-            </a:r>
+              <a:t>Diagnoses errors of ECU.</a:t>
+            </a:r>
+          </a:p>
+          <a:p>
+            <a:endParaRPr lang="en-US" dirty="0"/>
           </a:p>
         </p:txBody>
       </p:sp>
@@ -5986,14 +5991,19 @@
             <p:ph type="title"/>
           </p:nvPr>
         </p:nvSpPr>
-        <p:spPr/>
+        <p:spPr>
+          <a:xfrm>
+            <a:off x="2807594" y="639315"/>
+            <a:ext cx="9162245" cy="1270490"/>
+          </a:xfrm>
+        </p:spPr>
         <p:txBody>
           <a:bodyPr/>
           <a:lstStyle/>
           <a:p>
             <a:r>
               <a:rPr lang="en-US" dirty="0"/>
-              <a:t>Types of ECU</a:t>
+              <a:t>ECU modules and communication protocols </a:t>
             </a:r>
           </a:p>
         </p:txBody>
@@ -6049,6 +6059,12 @@
             </a:r>
           </a:p>
           <a:p>
+            <a:r>
+              <a:rPr lang="en-US" dirty="0"/>
+              <a:t>AUTOSAR. (LIN,CAN)</a:t>
+            </a:r>
+          </a:p>
+          <a:p>
             <a:endParaRPr lang="en-US" dirty="0"/>
           </a:p>
         </p:txBody>
@@ -6057,115 +6073,6 @@
     <p:extLst>
       <p:ext uri="{BB962C8B-B14F-4D97-AF65-F5344CB8AC3E}">
         <p14:creationId xmlns:p14="http://schemas.microsoft.com/office/powerpoint/2010/main" val="1392871081"/>
-      </p:ext>
-    </p:extLst>
-  </p:cSld>
-  <p:clrMapOvr>
-    <a:masterClrMapping/>
-  </p:clrMapOvr>
-</p:sld>
-</file>
-
-<file path=ppt/slides/slide4.xml><?xml version="1.0" encoding="utf-8"?>
-<p:sld xmlns:a="http://schemas.openxmlformats.org/drawingml/2006/main" xmlns:r="http://schemas.openxmlformats.org/officeDocument/2006/relationships" xmlns:p="http://schemas.openxmlformats.org/presentationml/2006/main">
-  <p:cSld>
-    <p:spTree>
-      <p:nvGrpSpPr>
-        <p:cNvPr id="1" name=""/>
-        <p:cNvGrpSpPr/>
-        <p:nvPr/>
-      </p:nvGrpSpPr>
-      <p:grpSpPr>
-        <a:xfrm>
-          <a:off x="0" y="0"/>
-          <a:ext cx="0" cy="0"/>
-          <a:chOff x="0" y="0"/>
-          <a:chExt cx="0" cy="0"/>
-        </a:xfrm>
-      </p:grpSpPr>
-      <p:sp>
-        <p:nvSpPr>
-          <p:cNvPr id="2" name="Title 1">
-            <a:extLst>
-              <a:ext uri="{FF2B5EF4-FFF2-40B4-BE49-F238E27FC236}">
-                <a16:creationId xmlns:a16="http://schemas.microsoft.com/office/drawing/2014/main" id="{09806137-A97F-4FE4-ACAD-6E345E5CA9BB}"/>
-              </a:ext>
-            </a:extLst>
-          </p:cNvPr>
-          <p:cNvSpPr>
-            <a:spLocks noGrp="1"/>
-          </p:cNvSpPr>
-          <p:nvPr>
-            <p:ph type="title"/>
-          </p:nvPr>
-        </p:nvSpPr>
-        <p:spPr/>
-        <p:txBody>
-          <a:bodyPr/>
-          <a:lstStyle/>
-          <a:p>
-            <a:r>
-              <a:rPr lang="en-US" dirty="0"/>
-              <a:t>Types of protocols </a:t>
-            </a:r>
-          </a:p>
-        </p:txBody>
-      </p:sp>
-      <p:sp>
-        <p:nvSpPr>
-          <p:cNvPr id="3" name="Content Placeholder 2">
-            <a:extLst>
-              <a:ext uri="{FF2B5EF4-FFF2-40B4-BE49-F238E27FC236}">
-                <a16:creationId xmlns:a16="http://schemas.microsoft.com/office/drawing/2014/main" id="{64E67152-AB46-4C2B-ADD9-08FE8AC3F7CF}"/>
-              </a:ext>
-            </a:extLst>
-          </p:cNvPr>
-          <p:cNvSpPr>
-            <a:spLocks noGrp="1"/>
-          </p:cNvSpPr>
-          <p:nvPr>
-            <p:ph idx="1"/>
-          </p:nvPr>
-        </p:nvSpPr>
-        <p:spPr/>
-        <p:txBody>
-          <a:bodyPr/>
-          <a:lstStyle/>
-          <a:p>
-            <a:r>
-              <a:rPr lang="en-US" dirty="0"/>
-              <a:t>–	Diagnostics (OBD II)</a:t>
-            </a:r>
-          </a:p>
-          <a:p>
-            <a:r>
-              <a:rPr lang="en-US" dirty="0"/>
-              <a:t>–	Body and powertrain (CAN,LIN)</a:t>
-            </a:r>
-          </a:p>
-          <a:p>
-            <a:r>
-              <a:rPr lang="en-US" dirty="0"/>
-              <a:t>–	Multimedia and drive by wire (MOST, </a:t>
-            </a:r>
-            <a:r>
-              <a:rPr lang="en-US"/>
-              <a:t>Flexray</a:t>
-            </a:r>
-            <a:r>
-              <a:rPr lang="en-US" dirty="0"/>
-              <a:t>)</a:t>
-            </a:r>
-          </a:p>
-          <a:p>
-            <a:endParaRPr lang="en-US" dirty="0"/>
-          </a:p>
-        </p:txBody>
-      </p:sp>
-    </p:spTree>
-    <p:extLst>
-      <p:ext uri="{BB962C8B-B14F-4D97-AF65-F5344CB8AC3E}">
-        <p14:creationId xmlns:p14="http://schemas.microsoft.com/office/powerpoint/2010/main" val="47456954"/>
       </p:ext>
     </p:extLst>
   </p:cSld>
